--- a/ITI/TF/Volume1/media/Figure_21.3-1.pptx
+++ b/ITI/TF/Volume1/media/Figure_21.3-1.pptx
@@ -104,6 +104,11 @@
       </a:defRPr>
     </a:lvl9pPr>
   </p:defaultTextStyle>
+  <p:extLst>
+    <p:ext uri="{EFAFB233-063F-42B5-8137-9DF3F51BA10A}">
+      <p15:sldGuideLst xmlns:p15="http://schemas.microsoft.com/office/powerpoint/2012/main"/>
+    </p:ext>
+  </p:extLst>
 </p:presentation>
 </file>
 
@@ -254,7 +259,7 @@
           <a:p>
             <a:fld id="{B651939A-C185-6145-8A47-A86976F80447}" type="datetimeFigureOut">
               <a:rPr lang="en-US" smtClean="0"/>
-              <a:t>8/12/20</a:t>
+              <a:t>8/26/20</a:t>
             </a:fld>
             <a:endParaRPr lang="en-US"/>
           </a:p>
@@ -452,7 +457,7 @@
           <a:p>
             <a:fld id="{B651939A-C185-6145-8A47-A86976F80447}" type="datetimeFigureOut">
               <a:rPr lang="en-US" smtClean="0"/>
-              <a:t>8/12/20</a:t>
+              <a:t>8/26/20</a:t>
             </a:fld>
             <a:endParaRPr lang="en-US"/>
           </a:p>
@@ -660,7 +665,7 @@
           <a:p>
             <a:fld id="{B651939A-C185-6145-8A47-A86976F80447}" type="datetimeFigureOut">
               <a:rPr lang="en-US" smtClean="0"/>
-              <a:t>8/12/20</a:t>
+              <a:t>8/26/20</a:t>
             </a:fld>
             <a:endParaRPr lang="en-US"/>
           </a:p>
@@ -858,7 +863,7 @@
           <a:p>
             <a:fld id="{B651939A-C185-6145-8A47-A86976F80447}" type="datetimeFigureOut">
               <a:rPr lang="en-US" smtClean="0"/>
-              <a:t>8/12/20</a:t>
+              <a:t>8/26/20</a:t>
             </a:fld>
             <a:endParaRPr lang="en-US"/>
           </a:p>
@@ -1133,7 +1138,7 @@
           <a:p>
             <a:fld id="{B651939A-C185-6145-8A47-A86976F80447}" type="datetimeFigureOut">
               <a:rPr lang="en-US" smtClean="0"/>
-              <a:t>8/12/20</a:t>
+              <a:t>8/26/20</a:t>
             </a:fld>
             <a:endParaRPr lang="en-US"/>
           </a:p>
@@ -1398,7 +1403,7 @@
           <a:p>
             <a:fld id="{B651939A-C185-6145-8A47-A86976F80447}" type="datetimeFigureOut">
               <a:rPr lang="en-US" smtClean="0"/>
-              <a:t>8/12/20</a:t>
+              <a:t>8/26/20</a:t>
             </a:fld>
             <a:endParaRPr lang="en-US"/>
           </a:p>
@@ -1810,7 +1815,7 @@
           <a:p>
             <a:fld id="{B651939A-C185-6145-8A47-A86976F80447}" type="datetimeFigureOut">
               <a:rPr lang="en-US" smtClean="0"/>
-              <a:t>8/12/20</a:t>
+              <a:t>8/26/20</a:t>
             </a:fld>
             <a:endParaRPr lang="en-US"/>
           </a:p>
@@ -1951,7 +1956,7 @@
           <a:p>
             <a:fld id="{B651939A-C185-6145-8A47-A86976F80447}" type="datetimeFigureOut">
               <a:rPr lang="en-US" smtClean="0"/>
-              <a:t>8/12/20</a:t>
+              <a:t>8/26/20</a:t>
             </a:fld>
             <a:endParaRPr lang="en-US"/>
           </a:p>
@@ -2064,7 +2069,7 @@
           <a:p>
             <a:fld id="{B651939A-C185-6145-8A47-A86976F80447}" type="datetimeFigureOut">
               <a:rPr lang="en-US" smtClean="0"/>
-              <a:t>8/12/20</a:t>
+              <a:t>8/26/20</a:t>
             </a:fld>
             <a:endParaRPr lang="en-US"/>
           </a:p>
@@ -2375,7 +2380,7 @@
           <a:p>
             <a:fld id="{B651939A-C185-6145-8A47-A86976F80447}" type="datetimeFigureOut">
               <a:rPr lang="en-US" smtClean="0"/>
-              <a:t>8/12/20</a:t>
+              <a:t>8/26/20</a:t>
             </a:fld>
             <a:endParaRPr lang="en-US"/>
           </a:p>
@@ -2663,7 +2668,7 @@
           <a:p>
             <a:fld id="{B651939A-C185-6145-8A47-A86976F80447}" type="datetimeFigureOut">
               <a:rPr lang="en-US" smtClean="0"/>
-              <a:t>8/12/20</a:t>
+              <a:t>8/26/20</a:t>
             </a:fld>
             <a:endParaRPr lang="en-US"/>
           </a:p>
@@ -2904,7 +2909,7 @@
           <a:p>
             <a:fld id="{B651939A-C185-6145-8A47-A86976F80447}" type="datetimeFigureOut">
               <a:rPr lang="en-US" smtClean="0"/>
-              <a:t>8/12/20</a:t>
+              <a:t>8/26/20</a:t>
             </a:fld>
             <a:endParaRPr lang="en-US"/>
           </a:p>
@@ -3321,6 +3326,77 @@
           <a:chExt cx="0" cy="0"/>
         </a:xfrm>
       </p:grpSpPr>
+      <p:sp>
+        <p:nvSpPr>
+          <p:cNvPr id="13" name="Text Box 52">
+            <a:extLst>
+              <a:ext uri="{FF2B5EF4-FFF2-40B4-BE49-F238E27FC236}">
+                <a16:creationId xmlns:a16="http://schemas.microsoft.com/office/drawing/2014/main" id="{A8FABF65-7BD4-AC40-BB0C-3C997FC0C038}"/>
+              </a:ext>
+            </a:extLst>
+          </p:cNvPr>
+          <p:cNvSpPr txBox="1">
+            <a:spLocks noChangeArrowheads="1"/>
+          </p:cNvSpPr>
+          <p:nvPr/>
+        </p:nvSpPr>
+        <p:spPr bwMode="auto">
+          <a:xfrm>
+            <a:off x="5538383" y="2838633"/>
+            <a:ext cx="1153160" cy="450850"/>
+          </a:xfrm>
+          <a:prstGeom prst="rect">
+            <a:avLst/>
+          </a:prstGeom>
+          <a:solidFill>
+            <a:srgbClr val="FFFFFF"/>
+          </a:solidFill>
+          <a:ln>
+            <a:noFill/>
+          </a:ln>
+          <a:extLst>
+            <a:ext uri="{91240B29-F687-4f45-9708-019B960494DF}">
+              <a14:hiddenLine xmlns:lc="http://schemas.openxmlformats.org/drawingml/2006/lockedCanvas" xmlns="" xmlns:mo="http://schemas.microsoft.com/office/mac/office/2008/main" xmlns:mv="urn:schemas-microsoft-com:mac:vml" xmlns:o="urn:schemas-microsoft-com:office:office" xmlns:v="urn:schemas-microsoft-com:vml" xmlns:w10="urn:schemas-microsoft-com:office:word" xmlns:w="http://schemas.openxmlformats.org/wordprocessingml/2006/main" xmlns:a14="http://schemas.microsoft.com/office/drawing/2010/main" xmlns:wps="http://schemas.microsoft.com/office/word/2010/wordprocessingShape" xmlns:wne="http://schemas.microsoft.com/office/word/2006/wordml" xmlns:wpi="http://schemas.microsoft.com/office/word/2010/wordprocessingInk" xmlns:wpg="http://schemas.microsoft.com/office/word/2010/wordprocessingGroup" xmlns:w16se="http://schemas.microsoft.com/office/word/2015/wordml/symex" xmlns:w16="http://schemas.microsoft.com/office/word/2018/wordml" xmlns:w16cid="http://schemas.microsoft.com/office/word/2016/wordml/cid" xmlns:w16cex="http://schemas.microsoft.com/office/word/2018/wordml/cex" xmlns:w15="http://schemas.microsoft.com/office/word/2012/wordml" xmlns:w14="http://schemas.microsoft.com/office/word/2010/wordml" xmlns:wp="http://schemas.openxmlformats.org/drawingml/2006/wordprocessingDrawing" xmlns:wp14="http://schemas.microsoft.com/office/word/2010/wordprocessingDrawing" xmlns:m="http://schemas.openxmlformats.org/officeDocument/2006/math" xmlns:am3d="http://schemas.microsoft.com/office/drawing/2017/model3d" xmlns:aink="http://schemas.microsoft.com/office/drawing/2016/ink" xmlns:mc="http://schemas.openxmlformats.org/markup-compatibility/2006" xmlns:cx8="http://schemas.microsoft.com/office/drawing/2016/5/14/chartex" xmlns:cx7="http://schemas.microsoft.com/office/drawing/2016/5/13/chartex" xmlns:cx6="http://schemas.microsoft.com/office/drawing/2016/5/12/chartex" xmlns:cx5="http://schemas.microsoft.com/office/drawing/2016/5/11/chartex" xmlns:cx4="http://schemas.microsoft.com/office/drawing/2016/5/10/chartex" xmlns:cx3="http://schemas.microsoft.com/office/drawing/2016/5/9/chartex" xmlns:cx2="http://schemas.microsoft.com/office/drawing/2015/10/21/chartex" xmlns:cx1="http://schemas.microsoft.com/office/drawing/2015/9/8/chartex" xmlns:cx="http://schemas.microsoft.com/office/drawing/2014/chartex" xmlns:wpc="http://schemas.microsoft.com/office/word/2010/wordprocessingCanvas" w="9525">
+                <a:solidFill>
+                  <a:srgbClr val="000000"/>
+                </a:solidFill>
+                <a:miter lim="800000"/>
+                <a:headEnd/>
+                <a:tailEnd/>
+              </a14:hiddenLine>
+            </a:ext>
+          </a:extLst>
+        </p:spPr>
+        <p:txBody>
+          <a:bodyPr rot="0" vert="horz" wrap="square" lIns="0" tIns="0" rIns="0" bIns="0" anchor="t" anchorCtr="0" upright="1">
+            <a:noAutofit/>
+          </a:bodyPr>
+          <a:lstStyle/>
+          <a:p>
+            <a:pPr marL="0" marR="0">
+              <a:spcBef>
+                <a:spcPts val="600"/>
+              </a:spcBef>
+              <a:spcAft>
+                <a:spcPts val="0"/>
+              </a:spcAft>
+            </a:pPr>
+            <a:r>
+              <a:rPr lang="en-US" sz="1100" dirty="0">
+                <a:effectLst/>
+                <a:latin typeface="Times New Roman" panose="02020603050405020304" pitchFamily="18" charset="0"/>
+                <a:ea typeface="Times New Roman" panose="02020603050405020304" pitchFamily="18" charset="0"/>
+              </a:rPr>
+              <a:t>Retrieve Multiple Value Sets [ITI-60]</a:t>
+            </a:r>
+            <a:endParaRPr lang="en-US" sz="1200" dirty="0">
+              <a:effectLst/>
+              <a:latin typeface="Times New Roman" panose="02020603050405020304" pitchFamily="18" charset="0"/>
+              <a:ea typeface="Times New Roman" panose="02020603050405020304" pitchFamily="18" charset="0"/>
+            </a:endParaRPr>
+          </a:p>
+        </p:txBody>
+      </p:sp>
       <p:cxnSp>
         <p:nvCxnSpPr>
           <p:cNvPr id="4" name="Line 43">
@@ -3353,7 +3429,7 @@
           </a:ln>
           <a:extLst>
             <a:ext uri="{909E8E84-426E-40dd-AFC4-6F175D3DCCD1}">
-              <a14:hiddenFill xmlns:wpc="http://schemas.microsoft.com/office/word/2010/wordprocessingCanvas" xmlns:cx="http://schemas.microsoft.com/office/drawing/2014/chartex" xmlns:cx1="http://schemas.microsoft.com/office/drawing/2015/9/8/chartex" xmlns:cx2="http://schemas.microsoft.com/office/drawing/2015/10/21/chartex" xmlns:cx3="http://schemas.microsoft.com/office/drawing/2016/5/9/chartex" xmlns:cx4="http://schemas.microsoft.com/office/drawing/2016/5/10/chartex" xmlns:cx5="http://schemas.microsoft.com/office/drawing/2016/5/11/chartex" xmlns:cx6="http://schemas.microsoft.com/office/drawing/2016/5/12/chartex" xmlns:cx7="http://schemas.microsoft.com/office/drawing/2016/5/13/chartex" xmlns:cx8="http://schemas.microsoft.com/office/drawing/2016/5/14/chartex" xmlns:mc="http://schemas.openxmlformats.org/markup-compatibility/2006" xmlns:aink="http://schemas.microsoft.com/office/drawing/2016/ink" xmlns:am3d="http://schemas.microsoft.com/office/drawing/2017/model3d" xmlns:m="http://schemas.openxmlformats.org/officeDocument/2006/math" xmlns:wp14="http://schemas.microsoft.com/office/word/2010/wordprocessingDrawing" xmlns:wp="http://schemas.openxmlformats.org/drawingml/2006/wordprocessingDrawing" xmlns:w14="http://schemas.microsoft.com/office/word/2010/wordml" xmlns:w15="http://schemas.microsoft.com/office/word/2012/wordml" xmlns:w16cex="http://schemas.microsoft.com/office/word/2018/wordml/cex" xmlns:w16cid="http://schemas.microsoft.com/office/word/2016/wordml/cid" xmlns:w16="http://schemas.microsoft.com/office/word/2018/wordml" xmlns:w16se="http://schemas.microsoft.com/office/word/2015/wordml/symex" xmlns:wpg="http://schemas.microsoft.com/office/word/2010/wordprocessingGroup" xmlns:wpi="http://schemas.microsoft.com/office/word/2010/wordprocessingInk" xmlns:wne="http://schemas.microsoft.com/office/word/2006/wordml" xmlns:wps="http://schemas.microsoft.com/office/word/2010/wordprocessingShape" xmlns:a14="http://schemas.microsoft.com/office/drawing/2010/main" xmlns:w="http://schemas.openxmlformats.org/wordprocessingml/2006/main" xmlns:w10="urn:schemas-microsoft-com:office:word" xmlns:v="urn:schemas-microsoft-com:vml" xmlns:o="urn:schemas-microsoft-com:office:office" xmlns:mv="urn:schemas-microsoft-com:mac:vml" xmlns:mo="http://schemas.microsoft.com/office/mac/office/2008/main" xmlns="" xmlns:lc="http://schemas.openxmlformats.org/drawingml/2006/lockedCanvas">
+              <a14:hiddenFill xmlns:lc="http://schemas.openxmlformats.org/drawingml/2006/lockedCanvas" xmlns="" xmlns:mo="http://schemas.microsoft.com/office/mac/office/2008/main" xmlns:mv="urn:schemas-microsoft-com:mac:vml" xmlns:o="urn:schemas-microsoft-com:office:office" xmlns:v="urn:schemas-microsoft-com:vml" xmlns:w10="urn:schemas-microsoft-com:office:word" xmlns:w="http://schemas.openxmlformats.org/wordprocessingml/2006/main" xmlns:a14="http://schemas.microsoft.com/office/drawing/2010/main" xmlns:wps="http://schemas.microsoft.com/office/word/2010/wordprocessingShape" xmlns:wne="http://schemas.microsoft.com/office/word/2006/wordml" xmlns:wpi="http://schemas.microsoft.com/office/word/2010/wordprocessingInk" xmlns:wpg="http://schemas.microsoft.com/office/word/2010/wordprocessingGroup" xmlns:w16se="http://schemas.microsoft.com/office/word/2015/wordml/symex" xmlns:w16="http://schemas.microsoft.com/office/word/2018/wordml" xmlns:w16cid="http://schemas.microsoft.com/office/word/2016/wordml/cid" xmlns:w16cex="http://schemas.microsoft.com/office/word/2018/wordml/cex" xmlns:w15="http://schemas.microsoft.com/office/word/2012/wordml" xmlns:w14="http://schemas.microsoft.com/office/word/2010/wordml" xmlns:wp="http://schemas.openxmlformats.org/drawingml/2006/wordprocessingDrawing" xmlns:wp14="http://schemas.microsoft.com/office/word/2010/wordprocessingDrawing" xmlns:m="http://schemas.openxmlformats.org/officeDocument/2006/math" xmlns:am3d="http://schemas.microsoft.com/office/drawing/2017/model3d" xmlns:aink="http://schemas.microsoft.com/office/drawing/2016/ink" xmlns:mc="http://schemas.openxmlformats.org/markup-compatibility/2006" xmlns:cx8="http://schemas.microsoft.com/office/drawing/2016/5/14/chartex" xmlns:cx7="http://schemas.microsoft.com/office/drawing/2016/5/13/chartex" xmlns:cx6="http://schemas.microsoft.com/office/drawing/2016/5/12/chartex" xmlns:cx5="http://schemas.microsoft.com/office/drawing/2016/5/11/chartex" xmlns:cx4="http://schemas.microsoft.com/office/drawing/2016/5/10/chartex" xmlns:cx3="http://schemas.microsoft.com/office/drawing/2016/5/9/chartex" xmlns:cx2="http://schemas.microsoft.com/office/drawing/2015/10/21/chartex" xmlns:cx1="http://schemas.microsoft.com/office/drawing/2015/9/8/chartex" xmlns:cx="http://schemas.microsoft.com/office/drawing/2014/chartex" xmlns:wpc="http://schemas.microsoft.com/office/word/2010/wordprocessingCanvas">
                 <a:noFill/>
               </a14:hiddenFill>
             </a:ext>
@@ -3376,7 +3452,7 @@
         </p:nvSpPr>
         <p:spPr bwMode="auto">
           <a:xfrm>
-            <a:off x="4546917" y="2003425"/>
+            <a:off x="4803394" y="2003425"/>
             <a:ext cx="1187450" cy="456565"/>
           </a:xfrm>
           <a:prstGeom prst="rect">
@@ -3390,7 +3466,7 @@
           </a:ln>
           <a:extLst>
             <a:ext uri="{91240B29-F687-4f45-9708-019B960494DF}">
-              <a14:hiddenLine xmlns:wpc="http://schemas.microsoft.com/office/word/2010/wordprocessingCanvas" xmlns:cx="http://schemas.microsoft.com/office/drawing/2014/chartex" xmlns:cx1="http://schemas.microsoft.com/office/drawing/2015/9/8/chartex" xmlns:cx2="http://schemas.microsoft.com/office/drawing/2015/10/21/chartex" xmlns:cx3="http://schemas.microsoft.com/office/drawing/2016/5/9/chartex" xmlns:cx4="http://schemas.microsoft.com/office/drawing/2016/5/10/chartex" xmlns:cx5="http://schemas.microsoft.com/office/drawing/2016/5/11/chartex" xmlns:cx6="http://schemas.microsoft.com/office/drawing/2016/5/12/chartex" xmlns:cx7="http://schemas.microsoft.com/office/drawing/2016/5/13/chartex" xmlns:cx8="http://schemas.microsoft.com/office/drawing/2016/5/14/chartex" xmlns:mc="http://schemas.openxmlformats.org/markup-compatibility/2006" xmlns:aink="http://schemas.microsoft.com/office/drawing/2016/ink" xmlns:am3d="http://schemas.microsoft.com/office/drawing/2017/model3d" xmlns:m="http://schemas.openxmlformats.org/officeDocument/2006/math" xmlns:wp14="http://schemas.microsoft.com/office/word/2010/wordprocessingDrawing" xmlns:wp="http://schemas.openxmlformats.org/drawingml/2006/wordprocessingDrawing" xmlns:w14="http://schemas.microsoft.com/office/word/2010/wordml" xmlns:w15="http://schemas.microsoft.com/office/word/2012/wordml" xmlns:w16cex="http://schemas.microsoft.com/office/word/2018/wordml/cex" xmlns:w16cid="http://schemas.microsoft.com/office/word/2016/wordml/cid" xmlns:w16="http://schemas.microsoft.com/office/word/2018/wordml" xmlns:w16se="http://schemas.microsoft.com/office/word/2015/wordml/symex" xmlns:wpg="http://schemas.microsoft.com/office/word/2010/wordprocessingGroup" xmlns:wpi="http://schemas.microsoft.com/office/word/2010/wordprocessingInk" xmlns:wne="http://schemas.microsoft.com/office/word/2006/wordml" xmlns:wps="http://schemas.microsoft.com/office/word/2010/wordprocessingShape" xmlns:a14="http://schemas.microsoft.com/office/drawing/2010/main" xmlns:w="http://schemas.openxmlformats.org/wordprocessingml/2006/main" xmlns:w10="urn:schemas-microsoft-com:office:word" xmlns:v="urn:schemas-microsoft-com:vml" xmlns:o="urn:schemas-microsoft-com:office:office" xmlns:mv="urn:schemas-microsoft-com:mac:vml" xmlns:mo="http://schemas.microsoft.com/office/mac/office/2008/main" xmlns="" xmlns:lc="http://schemas.openxmlformats.org/drawingml/2006/lockedCanvas" w="9525">
+              <a14:hiddenLine xmlns:lc="http://schemas.openxmlformats.org/drawingml/2006/lockedCanvas" xmlns="" xmlns:mo="http://schemas.microsoft.com/office/mac/office/2008/main" xmlns:mv="urn:schemas-microsoft-com:mac:vml" xmlns:o="urn:schemas-microsoft-com:office:office" xmlns:v="urn:schemas-microsoft-com:vml" xmlns:w10="urn:schemas-microsoft-com:office:word" xmlns:w="http://schemas.openxmlformats.org/wordprocessingml/2006/main" xmlns:a14="http://schemas.microsoft.com/office/drawing/2010/main" xmlns:wps="http://schemas.microsoft.com/office/word/2010/wordprocessingShape" xmlns:wne="http://schemas.microsoft.com/office/word/2006/wordml" xmlns:wpi="http://schemas.microsoft.com/office/word/2010/wordprocessingInk" xmlns:wpg="http://schemas.microsoft.com/office/word/2010/wordprocessingGroup" xmlns:w16se="http://schemas.microsoft.com/office/word/2015/wordml/symex" xmlns:w16="http://schemas.microsoft.com/office/word/2018/wordml" xmlns:w16cid="http://schemas.microsoft.com/office/word/2016/wordml/cid" xmlns:w16cex="http://schemas.microsoft.com/office/word/2018/wordml/cex" xmlns:w15="http://schemas.microsoft.com/office/word/2012/wordml" xmlns:w14="http://schemas.microsoft.com/office/word/2010/wordml" xmlns:wp="http://schemas.openxmlformats.org/drawingml/2006/wordprocessingDrawing" xmlns:wp14="http://schemas.microsoft.com/office/word/2010/wordprocessingDrawing" xmlns:m="http://schemas.openxmlformats.org/officeDocument/2006/math" xmlns:am3d="http://schemas.microsoft.com/office/drawing/2017/model3d" xmlns:aink="http://schemas.microsoft.com/office/drawing/2016/ink" xmlns:mc="http://schemas.openxmlformats.org/markup-compatibility/2006" xmlns:cx8="http://schemas.microsoft.com/office/drawing/2016/5/14/chartex" xmlns:cx7="http://schemas.microsoft.com/office/drawing/2016/5/13/chartex" xmlns:cx6="http://schemas.microsoft.com/office/drawing/2016/5/12/chartex" xmlns:cx5="http://schemas.microsoft.com/office/drawing/2016/5/11/chartex" xmlns:cx4="http://schemas.microsoft.com/office/drawing/2016/5/10/chartex" xmlns:cx3="http://schemas.microsoft.com/office/drawing/2016/5/9/chartex" xmlns:cx2="http://schemas.microsoft.com/office/drawing/2015/10/21/chartex" xmlns:cx1="http://schemas.microsoft.com/office/drawing/2015/9/8/chartex" xmlns:cx="http://schemas.microsoft.com/office/drawing/2014/chartex" xmlns:wpc="http://schemas.microsoft.com/office/word/2010/wordprocessingCanvas" w="9525">
                 <a:solidFill>
                   <a:srgbClr val="000000"/>
                 </a:solidFill>
@@ -3458,7 +3534,7 @@
           </a:ln>
           <a:extLst>
             <a:ext uri="{909E8E84-426E-40dd-AFC4-6F175D3DCCD1}">
-              <a14:hiddenFill xmlns:wpc="http://schemas.microsoft.com/office/word/2010/wordprocessingCanvas" xmlns:cx="http://schemas.microsoft.com/office/drawing/2014/chartex" xmlns:cx1="http://schemas.microsoft.com/office/drawing/2015/9/8/chartex" xmlns:cx2="http://schemas.microsoft.com/office/drawing/2015/10/21/chartex" xmlns:cx3="http://schemas.microsoft.com/office/drawing/2016/5/9/chartex" xmlns:cx4="http://schemas.microsoft.com/office/drawing/2016/5/10/chartex" xmlns:cx5="http://schemas.microsoft.com/office/drawing/2016/5/11/chartex" xmlns:cx6="http://schemas.microsoft.com/office/drawing/2016/5/12/chartex" xmlns:cx7="http://schemas.microsoft.com/office/drawing/2016/5/13/chartex" xmlns:cx8="http://schemas.microsoft.com/office/drawing/2016/5/14/chartex" xmlns:mc="http://schemas.openxmlformats.org/markup-compatibility/2006" xmlns:aink="http://schemas.microsoft.com/office/drawing/2016/ink" xmlns:am3d="http://schemas.microsoft.com/office/drawing/2017/model3d" xmlns:m="http://schemas.openxmlformats.org/officeDocument/2006/math" xmlns:wp14="http://schemas.microsoft.com/office/word/2010/wordprocessingDrawing" xmlns:wp="http://schemas.openxmlformats.org/drawingml/2006/wordprocessingDrawing" xmlns:w14="http://schemas.microsoft.com/office/word/2010/wordml" xmlns:w15="http://schemas.microsoft.com/office/word/2012/wordml" xmlns:w16cex="http://schemas.microsoft.com/office/word/2018/wordml/cex" xmlns:w16cid="http://schemas.microsoft.com/office/word/2016/wordml/cid" xmlns:w16="http://schemas.microsoft.com/office/word/2018/wordml" xmlns:w16se="http://schemas.microsoft.com/office/word/2015/wordml/symex" xmlns:wpg="http://schemas.microsoft.com/office/word/2010/wordprocessingGroup" xmlns:wpi="http://schemas.microsoft.com/office/word/2010/wordprocessingInk" xmlns:wne="http://schemas.microsoft.com/office/word/2006/wordml" xmlns:wps="http://schemas.microsoft.com/office/word/2010/wordprocessingShape" xmlns:a14="http://schemas.microsoft.com/office/drawing/2010/main" xmlns:w="http://schemas.openxmlformats.org/wordprocessingml/2006/main" xmlns:w10="urn:schemas-microsoft-com:office:word" xmlns:v="urn:schemas-microsoft-com:vml" xmlns:o="urn:schemas-microsoft-com:office:office" xmlns:mv="urn:schemas-microsoft-com:mac:vml" xmlns:mo="http://schemas.microsoft.com/office/mac/office/2008/main" xmlns="" xmlns:lc="http://schemas.openxmlformats.org/drawingml/2006/lockedCanvas">
+              <a14:hiddenFill xmlns:lc="http://schemas.openxmlformats.org/drawingml/2006/lockedCanvas" xmlns="" xmlns:mo="http://schemas.microsoft.com/office/mac/office/2008/main" xmlns:mv="urn:schemas-microsoft-com:mac:vml" xmlns:o="urn:schemas-microsoft-com:office:office" xmlns:v="urn:schemas-microsoft-com:vml" xmlns:w10="urn:schemas-microsoft-com:office:word" xmlns:w="http://schemas.openxmlformats.org/wordprocessingml/2006/main" xmlns:a14="http://schemas.microsoft.com/office/drawing/2010/main" xmlns:wps="http://schemas.microsoft.com/office/word/2010/wordprocessingShape" xmlns:wne="http://schemas.microsoft.com/office/word/2006/wordml" xmlns:wpi="http://schemas.microsoft.com/office/word/2010/wordprocessingInk" xmlns:wpg="http://schemas.microsoft.com/office/word/2010/wordprocessingGroup" xmlns:w16se="http://schemas.microsoft.com/office/word/2015/wordml/symex" xmlns:w16="http://schemas.microsoft.com/office/word/2018/wordml" xmlns:w16cid="http://schemas.microsoft.com/office/word/2016/wordml/cid" xmlns:w16cex="http://schemas.microsoft.com/office/word/2018/wordml/cex" xmlns:w15="http://schemas.microsoft.com/office/word/2012/wordml" xmlns:w14="http://schemas.microsoft.com/office/word/2010/wordml" xmlns:wp="http://schemas.openxmlformats.org/drawingml/2006/wordprocessingDrawing" xmlns:wp14="http://schemas.microsoft.com/office/word/2010/wordprocessingDrawing" xmlns:m="http://schemas.openxmlformats.org/officeDocument/2006/math" xmlns:am3d="http://schemas.microsoft.com/office/drawing/2017/model3d" xmlns:aink="http://schemas.microsoft.com/office/drawing/2016/ink" xmlns:mc="http://schemas.openxmlformats.org/markup-compatibility/2006" xmlns:cx8="http://schemas.microsoft.com/office/drawing/2016/5/14/chartex" xmlns:cx7="http://schemas.microsoft.com/office/drawing/2016/5/13/chartex" xmlns:cx6="http://schemas.microsoft.com/office/drawing/2016/5/12/chartex" xmlns:cx5="http://schemas.microsoft.com/office/drawing/2016/5/11/chartex" xmlns:cx4="http://schemas.microsoft.com/office/drawing/2016/5/10/chartex" xmlns:cx3="http://schemas.microsoft.com/office/drawing/2016/5/9/chartex" xmlns:cx2="http://schemas.microsoft.com/office/drawing/2015/10/21/chartex" xmlns:cx1="http://schemas.microsoft.com/office/drawing/2015/9/8/chartex" xmlns:cx="http://schemas.microsoft.com/office/drawing/2014/chartex" xmlns:wpc="http://schemas.microsoft.com/office/word/2010/wordprocessingCanvas">
                 <a:noFill/>
               </a14:hiddenFill>
             </a:ext>
@@ -3525,7 +3601,7 @@
         </p:nvSpPr>
         <p:spPr bwMode="auto">
           <a:xfrm>
-            <a:off x="5471477" y="4065270"/>
+            <a:off x="5519420" y="3930015"/>
             <a:ext cx="1153160" cy="640080"/>
           </a:xfrm>
           <a:prstGeom prst="rect">
@@ -3539,7 +3615,7 @@
           </a:ln>
           <a:extLst>
             <a:ext uri="{91240B29-F687-4f45-9708-019B960494DF}">
-              <a14:hiddenLine xmlns:wpc="http://schemas.microsoft.com/office/word/2010/wordprocessingCanvas" xmlns:cx="http://schemas.microsoft.com/office/drawing/2014/chartex" xmlns:cx1="http://schemas.microsoft.com/office/drawing/2015/9/8/chartex" xmlns:cx2="http://schemas.microsoft.com/office/drawing/2015/10/21/chartex" xmlns:cx3="http://schemas.microsoft.com/office/drawing/2016/5/9/chartex" xmlns:cx4="http://schemas.microsoft.com/office/drawing/2016/5/10/chartex" xmlns:cx5="http://schemas.microsoft.com/office/drawing/2016/5/11/chartex" xmlns:cx6="http://schemas.microsoft.com/office/drawing/2016/5/12/chartex" xmlns:cx7="http://schemas.microsoft.com/office/drawing/2016/5/13/chartex" xmlns:cx8="http://schemas.microsoft.com/office/drawing/2016/5/14/chartex" xmlns:mc="http://schemas.openxmlformats.org/markup-compatibility/2006" xmlns:aink="http://schemas.microsoft.com/office/drawing/2016/ink" xmlns:am3d="http://schemas.microsoft.com/office/drawing/2017/model3d" xmlns:m="http://schemas.openxmlformats.org/officeDocument/2006/math" xmlns:wp14="http://schemas.microsoft.com/office/word/2010/wordprocessingDrawing" xmlns:wp="http://schemas.openxmlformats.org/drawingml/2006/wordprocessingDrawing" xmlns:w14="http://schemas.microsoft.com/office/word/2010/wordml" xmlns:w15="http://schemas.microsoft.com/office/word/2012/wordml" xmlns:w16cex="http://schemas.microsoft.com/office/word/2018/wordml/cex" xmlns:w16cid="http://schemas.microsoft.com/office/word/2016/wordml/cid" xmlns:w16="http://schemas.microsoft.com/office/word/2018/wordml" xmlns:w16se="http://schemas.microsoft.com/office/word/2015/wordml/symex" xmlns:wpg="http://schemas.microsoft.com/office/word/2010/wordprocessingGroup" xmlns:wpi="http://schemas.microsoft.com/office/word/2010/wordprocessingInk" xmlns:wne="http://schemas.microsoft.com/office/word/2006/wordml" xmlns:wps="http://schemas.microsoft.com/office/word/2010/wordprocessingShape" xmlns:a14="http://schemas.microsoft.com/office/drawing/2010/main" xmlns:w="http://schemas.openxmlformats.org/wordprocessingml/2006/main" xmlns:w10="urn:schemas-microsoft-com:office:word" xmlns:v="urn:schemas-microsoft-com:vml" xmlns:o="urn:schemas-microsoft-com:office:office" xmlns:mv="urn:schemas-microsoft-com:mac:vml" xmlns:mo="http://schemas.microsoft.com/office/mac/office/2008/main" xmlns="" xmlns:lc="http://schemas.openxmlformats.org/drawingml/2006/lockedCanvas" w="9525">
+              <a14:hiddenLine xmlns:lc="http://schemas.openxmlformats.org/drawingml/2006/lockedCanvas" xmlns="" xmlns:mo="http://schemas.microsoft.com/office/mac/office/2008/main" xmlns:mv="urn:schemas-microsoft-com:mac:vml" xmlns:o="urn:schemas-microsoft-com:office:office" xmlns:v="urn:schemas-microsoft-com:vml" xmlns:w10="urn:schemas-microsoft-com:office:word" xmlns:w="http://schemas.openxmlformats.org/wordprocessingml/2006/main" xmlns:a14="http://schemas.microsoft.com/office/drawing/2010/main" xmlns:wps="http://schemas.microsoft.com/office/word/2010/wordprocessingShape" xmlns:wne="http://schemas.microsoft.com/office/word/2006/wordml" xmlns:wpi="http://schemas.microsoft.com/office/word/2010/wordprocessingInk" xmlns:wpg="http://schemas.microsoft.com/office/word/2010/wordprocessingGroup" xmlns:w16se="http://schemas.microsoft.com/office/word/2015/wordml/symex" xmlns:w16="http://schemas.microsoft.com/office/word/2018/wordml" xmlns:w16cid="http://schemas.microsoft.com/office/word/2016/wordml/cid" xmlns:w16cex="http://schemas.microsoft.com/office/word/2018/wordml/cex" xmlns:w15="http://schemas.microsoft.com/office/word/2012/wordml" xmlns:w14="http://schemas.microsoft.com/office/word/2010/wordml" xmlns:wp="http://schemas.openxmlformats.org/drawingml/2006/wordprocessingDrawing" xmlns:wp14="http://schemas.microsoft.com/office/word/2010/wordprocessingDrawing" xmlns:m="http://schemas.openxmlformats.org/officeDocument/2006/math" xmlns:am3d="http://schemas.microsoft.com/office/drawing/2017/model3d" xmlns:aink="http://schemas.microsoft.com/office/drawing/2016/ink" xmlns:mc="http://schemas.openxmlformats.org/markup-compatibility/2006" xmlns:cx8="http://schemas.microsoft.com/office/drawing/2016/5/14/chartex" xmlns:cx7="http://schemas.microsoft.com/office/drawing/2016/5/13/chartex" xmlns:cx6="http://schemas.microsoft.com/office/drawing/2016/5/12/chartex" xmlns:cx5="http://schemas.microsoft.com/office/drawing/2016/5/11/chartex" xmlns:cx4="http://schemas.microsoft.com/office/drawing/2016/5/10/chartex" xmlns:cx3="http://schemas.microsoft.com/office/drawing/2016/5/9/chartex" xmlns:cx2="http://schemas.microsoft.com/office/drawing/2015/10/21/chartex" xmlns:cx1="http://schemas.microsoft.com/office/drawing/2015/9/8/chartex" xmlns:cx="http://schemas.microsoft.com/office/drawing/2014/chartex" xmlns:wpc="http://schemas.microsoft.com/office/word/2010/wordprocessingCanvas" w="9525">
                 <a:solidFill>
                   <a:srgbClr val="000000"/>
                 </a:solidFill>
@@ -3565,37 +3641,29 @@
               </a:spcAft>
             </a:pPr>
             <a:r>
-              <a:rPr lang="en-US" sz="1100">
+              <a:rPr lang="en-US" sz="1100" dirty="0">
                 <a:effectLst/>
                 <a:latin typeface="Times New Roman" panose="02020603050405020304" pitchFamily="18" charset="0"/>
                 <a:ea typeface="Times New Roman" panose="02020603050405020304" pitchFamily="18" charset="0"/>
               </a:rPr>
               <a:t>Retrieve Value Set</a:t>
             </a:r>
-            <a:endParaRPr lang="en-US" sz="1200">
-              <a:effectLst/>
-              <a:latin typeface="Times New Roman" panose="02020603050405020304" pitchFamily="18" charset="0"/>
-              <a:ea typeface="Times New Roman" panose="02020603050405020304" pitchFamily="18" charset="0"/>
-            </a:endParaRPr>
-          </a:p>
-          <a:p>
-            <a:pPr marL="0" marR="0">
-              <a:spcBef>
-                <a:spcPts val="600"/>
-              </a:spcBef>
-              <a:spcAft>
-                <a:spcPts val="0"/>
-              </a:spcAft>
-            </a:pPr>
-            <a:r>
-              <a:rPr lang="en-US" sz="1100">
+            <a:r>
+              <a:rPr lang="en-US" sz="1200" dirty="0">
+                <a:latin typeface="Times New Roman" panose="02020603050405020304" pitchFamily="18" charset="0"/>
+                <a:ea typeface="Times New Roman" panose="02020603050405020304" pitchFamily="18" charset="0"/>
+              </a:rPr>
+              <a:t> </a:t>
+            </a:r>
+            <a:r>
+              <a:rPr lang="en-US" sz="1100" dirty="0">
                 <a:effectLst/>
                 <a:latin typeface="Times New Roman" panose="02020603050405020304" pitchFamily="18" charset="0"/>
                 <a:ea typeface="Times New Roman" panose="02020603050405020304" pitchFamily="18" charset="0"/>
               </a:rPr>
-              <a:t>ITI-48</a:t>
-            </a:r>
-            <a:endParaRPr lang="en-US" sz="1200">
+              <a:t>[ITI-48]</a:t>
+            </a:r>
+            <a:endParaRPr lang="en-US" sz="1200" dirty="0">
               <a:effectLst/>
               <a:latin typeface="Times New Roman" panose="02020603050405020304" pitchFamily="18" charset="0"/>
               <a:ea typeface="Times New Roman" panose="02020603050405020304" pitchFamily="18" charset="0"/>
@@ -3634,7 +3702,7 @@
           </a:ln>
           <a:extLst>
             <a:ext uri="{909E8E84-426E-40dd-AFC4-6F175D3DCCD1}">
-              <a14:hiddenFill xmlns:wpc="http://schemas.microsoft.com/office/word/2010/wordprocessingCanvas" xmlns:cx="http://schemas.microsoft.com/office/drawing/2014/chartex" xmlns:cx1="http://schemas.microsoft.com/office/drawing/2015/9/8/chartex" xmlns:cx2="http://schemas.microsoft.com/office/drawing/2015/10/21/chartex" xmlns:cx3="http://schemas.microsoft.com/office/drawing/2016/5/9/chartex" xmlns:cx4="http://schemas.microsoft.com/office/drawing/2016/5/10/chartex" xmlns:cx5="http://schemas.microsoft.com/office/drawing/2016/5/11/chartex" xmlns:cx6="http://schemas.microsoft.com/office/drawing/2016/5/12/chartex" xmlns:cx7="http://schemas.microsoft.com/office/drawing/2016/5/13/chartex" xmlns:cx8="http://schemas.microsoft.com/office/drawing/2016/5/14/chartex" xmlns:mc="http://schemas.openxmlformats.org/markup-compatibility/2006" xmlns:aink="http://schemas.microsoft.com/office/drawing/2016/ink" xmlns:am3d="http://schemas.microsoft.com/office/drawing/2017/model3d" xmlns:m="http://schemas.openxmlformats.org/officeDocument/2006/math" xmlns:wp14="http://schemas.microsoft.com/office/word/2010/wordprocessingDrawing" xmlns:wp="http://schemas.openxmlformats.org/drawingml/2006/wordprocessingDrawing" xmlns:w14="http://schemas.microsoft.com/office/word/2010/wordml" xmlns:w15="http://schemas.microsoft.com/office/word/2012/wordml" xmlns:w16cex="http://schemas.microsoft.com/office/word/2018/wordml/cex" xmlns:w16cid="http://schemas.microsoft.com/office/word/2016/wordml/cid" xmlns:w16="http://schemas.microsoft.com/office/word/2018/wordml" xmlns:w16se="http://schemas.microsoft.com/office/word/2015/wordml/symex" xmlns:wpg="http://schemas.microsoft.com/office/word/2010/wordprocessingGroup" xmlns:wpi="http://schemas.microsoft.com/office/word/2010/wordprocessingInk" xmlns:wne="http://schemas.microsoft.com/office/word/2006/wordml" xmlns:wps="http://schemas.microsoft.com/office/word/2010/wordprocessingShape" xmlns:a14="http://schemas.microsoft.com/office/drawing/2010/main" xmlns:w="http://schemas.openxmlformats.org/wordprocessingml/2006/main" xmlns:w10="urn:schemas-microsoft-com:office:word" xmlns:v="urn:schemas-microsoft-com:vml" xmlns:o="urn:schemas-microsoft-com:office:office" xmlns:mv="urn:schemas-microsoft-com:mac:vml" xmlns:mo="http://schemas.microsoft.com/office/mac/office/2008/main" xmlns="" xmlns:lc="http://schemas.openxmlformats.org/drawingml/2006/lockedCanvas">
+              <a14:hiddenFill xmlns:lc="http://schemas.openxmlformats.org/drawingml/2006/lockedCanvas" xmlns="" xmlns:mo="http://schemas.microsoft.com/office/mac/office/2008/main" xmlns:mv="urn:schemas-microsoft-com:mac:vml" xmlns:o="urn:schemas-microsoft-com:office:office" xmlns:v="urn:schemas-microsoft-com:vml" xmlns:w10="urn:schemas-microsoft-com:office:word" xmlns:w="http://schemas.openxmlformats.org/wordprocessingml/2006/main" xmlns:a14="http://schemas.microsoft.com/office/drawing/2010/main" xmlns:wps="http://schemas.microsoft.com/office/word/2010/wordprocessingShape" xmlns:wne="http://schemas.microsoft.com/office/word/2006/wordml" xmlns:wpi="http://schemas.microsoft.com/office/word/2010/wordprocessingInk" xmlns:wpg="http://schemas.microsoft.com/office/word/2010/wordprocessingGroup" xmlns:w16se="http://schemas.microsoft.com/office/word/2015/wordml/symex" xmlns:w16="http://schemas.microsoft.com/office/word/2018/wordml" xmlns:w16cid="http://schemas.microsoft.com/office/word/2016/wordml/cid" xmlns:w16cex="http://schemas.microsoft.com/office/word/2018/wordml/cex" xmlns:w15="http://schemas.microsoft.com/office/word/2012/wordml" xmlns:w14="http://schemas.microsoft.com/office/word/2010/wordml" xmlns:wp="http://schemas.openxmlformats.org/drawingml/2006/wordprocessingDrawing" xmlns:wp14="http://schemas.microsoft.com/office/word/2010/wordprocessingDrawing" xmlns:m="http://schemas.openxmlformats.org/officeDocument/2006/math" xmlns:am3d="http://schemas.microsoft.com/office/drawing/2017/model3d" xmlns:aink="http://schemas.microsoft.com/office/drawing/2016/ink" xmlns:mc="http://schemas.openxmlformats.org/markup-compatibility/2006" xmlns:cx8="http://schemas.microsoft.com/office/drawing/2016/5/14/chartex" xmlns:cx7="http://schemas.microsoft.com/office/drawing/2016/5/13/chartex" xmlns:cx6="http://schemas.microsoft.com/office/drawing/2016/5/12/chartex" xmlns:cx5="http://schemas.microsoft.com/office/drawing/2016/5/11/chartex" xmlns:cx4="http://schemas.microsoft.com/office/drawing/2016/5/10/chartex" xmlns:cx3="http://schemas.microsoft.com/office/drawing/2016/5/9/chartex" xmlns:cx2="http://schemas.microsoft.com/office/drawing/2015/10/21/chartex" xmlns:cx1="http://schemas.microsoft.com/office/drawing/2015/9/8/chartex" xmlns:cx="http://schemas.microsoft.com/office/drawing/2014/chartex" xmlns:wpc="http://schemas.microsoft.com/office/word/2010/wordprocessingCanvas">
                 <a:noFill/>
               </a14:hiddenFill>
             </a:ext>
@@ -3701,7 +3769,7 @@
         </p:nvSpPr>
         <p:spPr bwMode="auto">
           <a:xfrm>
-            <a:off x="6458267" y="2003425"/>
+            <a:off x="6759349" y="2003425"/>
             <a:ext cx="1186815" cy="476250"/>
           </a:xfrm>
           <a:prstGeom prst="rect">
@@ -3715,7 +3783,7 @@
           </a:ln>
           <a:extLst>
             <a:ext uri="{91240B29-F687-4f45-9708-019B960494DF}">
-              <a14:hiddenLine xmlns:wpc="http://schemas.microsoft.com/office/word/2010/wordprocessingCanvas" xmlns:cx="http://schemas.microsoft.com/office/drawing/2014/chartex" xmlns:cx1="http://schemas.microsoft.com/office/drawing/2015/9/8/chartex" xmlns:cx2="http://schemas.microsoft.com/office/drawing/2015/10/21/chartex" xmlns:cx3="http://schemas.microsoft.com/office/drawing/2016/5/9/chartex" xmlns:cx4="http://schemas.microsoft.com/office/drawing/2016/5/10/chartex" xmlns:cx5="http://schemas.microsoft.com/office/drawing/2016/5/11/chartex" xmlns:cx6="http://schemas.microsoft.com/office/drawing/2016/5/12/chartex" xmlns:cx7="http://schemas.microsoft.com/office/drawing/2016/5/13/chartex" xmlns:cx8="http://schemas.microsoft.com/office/drawing/2016/5/14/chartex" xmlns:mc="http://schemas.openxmlformats.org/markup-compatibility/2006" xmlns:aink="http://schemas.microsoft.com/office/drawing/2016/ink" xmlns:am3d="http://schemas.microsoft.com/office/drawing/2017/model3d" xmlns:m="http://schemas.openxmlformats.org/officeDocument/2006/math" xmlns:wp14="http://schemas.microsoft.com/office/word/2010/wordprocessingDrawing" xmlns:wp="http://schemas.openxmlformats.org/drawingml/2006/wordprocessingDrawing" xmlns:w14="http://schemas.microsoft.com/office/word/2010/wordml" xmlns:w15="http://schemas.microsoft.com/office/word/2012/wordml" xmlns:w16cex="http://schemas.microsoft.com/office/word/2018/wordml/cex" xmlns:w16cid="http://schemas.microsoft.com/office/word/2016/wordml/cid" xmlns:w16="http://schemas.microsoft.com/office/word/2018/wordml" xmlns:w16se="http://schemas.microsoft.com/office/word/2015/wordml/symex" xmlns:wpg="http://schemas.microsoft.com/office/word/2010/wordprocessingGroup" xmlns:wpi="http://schemas.microsoft.com/office/word/2010/wordprocessingInk" xmlns:wne="http://schemas.microsoft.com/office/word/2006/wordml" xmlns:wps="http://schemas.microsoft.com/office/word/2010/wordprocessingShape" xmlns:a14="http://schemas.microsoft.com/office/drawing/2010/main" xmlns:w="http://schemas.openxmlformats.org/wordprocessingml/2006/main" xmlns:w10="urn:schemas-microsoft-com:office:word" xmlns:v="urn:schemas-microsoft-com:vml" xmlns:o="urn:schemas-microsoft-com:office:office" xmlns:mv="urn:schemas-microsoft-com:mac:vml" xmlns:mo="http://schemas.microsoft.com/office/mac/office/2008/main" xmlns="" xmlns:lc="http://schemas.openxmlformats.org/drawingml/2006/lockedCanvas" w="9525">
+              <a14:hiddenLine xmlns:lc="http://schemas.openxmlformats.org/drawingml/2006/lockedCanvas" xmlns="" xmlns:mo="http://schemas.microsoft.com/office/mac/office/2008/main" xmlns:mv="urn:schemas-microsoft-com:mac:vml" xmlns:o="urn:schemas-microsoft-com:office:office" xmlns:v="urn:schemas-microsoft-com:vml" xmlns:w10="urn:schemas-microsoft-com:office:word" xmlns:w="http://schemas.openxmlformats.org/wordprocessingml/2006/main" xmlns:a14="http://schemas.microsoft.com/office/drawing/2010/main" xmlns:wps="http://schemas.microsoft.com/office/word/2010/wordprocessingShape" xmlns:wne="http://schemas.microsoft.com/office/word/2006/wordml" xmlns:wpi="http://schemas.microsoft.com/office/word/2010/wordprocessingInk" xmlns:wpg="http://schemas.microsoft.com/office/word/2010/wordprocessingGroup" xmlns:w16se="http://schemas.microsoft.com/office/word/2015/wordml/symex" xmlns:w16="http://schemas.microsoft.com/office/word/2018/wordml" xmlns:w16cid="http://schemas.microsoft.com/office/word/2016/wordml/cid" xmlns:w16cex="http://schemas.microsoft.com/office/word/2018/wordml/cex" xmlns:w15="http://schemas.microsoft.com/office/word/2012/wordml" xmlns:w14="http://schemas.microsoft.com/office/word/2010/wordml" xmlns:wp="http://schemas.openxmlformats.org/drawingml/2006/wordprocessingDrawing" xmlns:wp14="http://schemas.microsoft.com/office/word/2010/wordprocessingDrawing" xmlns:m="http://schemas.openxmlformats.org/officeDocument/2006/math" xmlns:am3d="http://schemas.microsoft.com/office/drawing/2017/model3d" xmlns:aink="http://schemas.microsoft.com/office/drawing/2016/ink" xmlns:mc="http://schemas.openxmlformats.org/markup-compatibility/2006" xmlns:cx8="http://schemas.microsoft.com/office/drawing/2016/5/14/chartex" xmlns:cx7="http://schemas.microsoft.com/office/drawing/2016/5/13/chartex" xmlns:cx6="http://schemas.microsoft.com/office/drawing/2016/5/12/chartex" xmlns:cx5="http://schemas.microsoft.com/office/drawing/2016/5/11/chartex" xmlns:cx4="http://schemas.microsoft.com/office/drawing/2016/5/10/chartex" xmlns:cx3="http://schemas.microsoft.com/office/drawing/2016/5/9/chartex" xmlns:cx2="http://schemas.microsoft.com/office/drawing/2015/10/21/chartex" xmlns:cx1="http://schemas.microsoft.com/office/drawing/2015/9/8/chartex" xmlns:cx="http://schemas.microsoft.com/office/drawing/2014/chartex" xmlns:wpc="http://schemas.microsoft.com/office/word/2010/wordprocessingCanvas" w="9525">
                 <a:solidFill>
                   <a:srgbClr val="000000"/>
                 </a:solidFill>
@@ -3741,7 +3809,7 @@
               </a:spcAft>
             </a:pPr>
             <a:r>
-              <a:rPr lang="en-US" sz="1200">
+              <a:rPr lang="en-US" sz="1200" dirty="0">
                 <a:effectLst/>
                 <a:latin typeface="Times New Roman" panose="02020603050405020304" pitchFamily="18" charset="0"/>
                 <a:ea typeface="Times New Roman" panose="02020603050405020304" pitchFamily="18" charset="0"/>
@@ -3782,84 +3850,13 @@
           </a:ln>
           <a:extLst>
             <a:ext uri="{909E8E84-426E-40dd-AFC4-6F175D3DCCD1}">
-              <a14:hiddenFill xmlns:wpc="http://schemas.microsoft.com/office/word/2010/wordprocessingCanvas" xmlns:cx="http://schemas.microsoft.com/office/drawing/2014/chartex" xmlns:cx1="http://schemas.microsoft.com/office/drawing/2015/9/8/chartex" xmlns:cx2="http://schemas.microsoft.com/office/drawing/2015/10/21/chartex" xmlns:cx3="http://schemas.microsoft.com/office/drawing/2016/5/9/chartex" xmlns:cx4="http://schemas.microsoft.com/office/drawing/2016/5/10/chartex" xmlns:cx5="http://schemas.microsoft.com/office/drawing/2016/5/11/chartex" xmlns:cx6="http://schemas.microsoft.com/office/drawing/2016/5/12/chartex" xmlns:cx7="http://schemas.microsoft.com/office/drawing/2016/5/13/chartex" xmlns:cx8="http://schemas.microsoft.com/office/drawing/2016/5/14/chartex" xmlns:mc="http://schemas.openxmlformats.org/markup-compatibility/2006" xmlns:aink="http://schemas.microsoft.com/office/drawing/2016/ink" xmlns:am3d="http://schemas.microsoft.com/office/drawing/2017/model3d" xmlns:m="http://schemas.openxmlformats.org/officeDocument/2006/math" xmlns:wp14="http://schemas.microsoft.com/office/word/2010/wordprocessingDrawing" xmlns:wp="http://schemas.openxmlformats.org/drawingml/2006/wordprocessingDrawing" xmlns:w14="http://schemas.microsoft.com/office/word/2010/wordml" xmlns:w15="http://schemas.microsoft.com/office/word/2012/wordml" xmlns:w16cex="http://schemas.microsoft.com/office/word/2018/wordml/cex" xmlns:w16cid="http://schemas.microsoft.com/office/word/2016/wordml/cid" xmlns:w16="http://schemas.microsoft.com/office/word/2018/wordml" xmlns:w16se="http://schemas.microsoft.com/office/word/2015/wordml/symex" xmlns:wpg="http://schemas.microsoft.com/office/word/2010/wordprocessingGroup" xmlns:wpi="http://schemas.microsoft.com/office/word/2010/wordprocessingInk" xmlns:wne="http://schemas.microsoft.com/office/word/2006/wordml" xmlns:wps="http://schemas.microsoft.com/office/word/2010/wordprocessingShape" xmlns:a14="http://schemas.microsoft.com/office/drawing/2010/main" xmlns:w="http://schemas.openxmlformats.org/wordprocessingml/2006/main" xmlns:w10="urn:schemas-microsoft-com:office:word" xmlns:v="urn:schemas-microsoft-com:vml" xmlns:o="urn:schemas-microsoft-com:office:office" xmlns:mv="urn:schemas-microsoft-com:mac:vml" xmlns:mo="http://schemas.microsoft.com/office/mac/office/2008/main" xmlns="" xmlns:lc="http://schemas.openxmlformats.org/drawingml/2006/lockedCanvas">
+              <a14:hiddenFill xmlns:lc="http://schemas.openxmlformats.org/drawingml/2006/lockedCanvas" xmlns="" xmlns:mo="http://schemas.microsoft.com/office/mac/office/2008/main" xmlns:mv="urn:schemas-microsoft-com:mac:vml" xmlns:o="urn:schemas-microsoft-com:office:office" xmlns:v="urn:schemas-microsoft-com:vml" xmlns:w10="urn:schemas-microsoft-com:office:word" xmlns:w="http://schemas.openxmlformats.org/wordprocessingml/2006/main" xmlns:a14="http://schemas.microsoft.com/office/drawing/2010/main" xmlns:wps="http://schemas.microsoft.com/office/word/2010/wordprocessingShape" xmlns:wne="http://schemas.microsoft.com/office/word/2006/wordml" xmlns:wpi="http://schemas.microsoft.com/office/word/2010/wordprocessingInk" xmlns:wpg="http://schemas.microsoft.com/office/word/2010/wordprocessingGroup" xmlns:w16se="http://schemas.microsoft.com/office/word/2015/wordml/symex" xmlns:w16="http://schemas.microsoft.com/office/word/2018/wordml" xmlns:w16cid="http://schemas.microsoft.com/office/word/2016/wordml/cid" xmlns:w16cex="http://schemas.microsoft.com/office/word/2018/wordml/cex" xmlns:w15="http://schemas.microsoft.com/office/word/2012/wordml" xmlns:w14="http://schemas.microsoft.com/office/word/2010/wordml" xmlns:wp="http://schemas.openxmlformats.org/drawingml/2006/wordprocessingDrawing" xmlns:wp14="http://schemas.microsoft.com/office/word/2010/wordprocessingDrawing" xmlns:m="http://schemas.openxmlformats.org/officeDocument/2006/math" xmlns:am3d="http://schemas.microsoft.com/office/drawing/2017/model3d" xmlns:aink="http://schemas.microsoft.com/office/drawing/2016/ink" xmlns:mc="http://schemas.openxmlformats.org/markup-compatibility/2006" xmlns:cx8="http://schemas.microsoft.com/office/drawing/2016/5/14/chartex" xmlns:cx7="http://schemas.microsoft.com/office/drawing/2016/5/13/chartex" xmlns:cx6="http://schemas.microsoft.com/office/drawing/2016/5/12/chartex" xmlns:cx5="http://schemas.microsoft.com/office/drawing/2016/5/11/chartex" xmlns:cx4="http://schemas.microsoft.com/office/drawing/2016/5/10/chartex" xmlns:cx3="http://schemas.microsoft.com/office/drawing/2016/5/9/chartex" xmlns:cx2="http://schemas.microsoft.com/office/drawing/2015/10/21/chartex" xmlns:cx1="http://schemas.microsoft.com/office/drawing/2015/9/8/chartex" xmlns:cx="http://schemas.microsoft.com/office/drawing/2014/chartex" xmlns:wpc="http://schemas.microsoft.com/office/word/2010/wordprocessingCanvas">
                 <a:noFill/>
               </a14:hiddenFill>
             </a:ext>
           </a:extLst>
         </p:spPr>
       </p:cxnSp>
-      <p:sp>
-        <p:nvSpPr>
-          <p:cNvPr id="13" name="Text Box 52">
-            <a:extLst>
-              <a:ext uri="{FF2B5EF4-FFF2-40B4-BE49-F238E27FC236}">
-                <a16:creationId xmlns:a16="http://schemas.microsoft.com/office/drawing/2014/main" id="{A8FABF65-7BD4-AC40-BB0C-3C997FC0C038}"/>
-              </a:ext>
-            </a:extLst>
-          </p:cNvPr>
-          <p:cNvSpPr txBox="1">
-            <a:spLocks noChangeArrowheads="1"/>
-          </p:cNvSpPr>
-          <p:nvPr/>
-        </p:nvSpPr>
-        <p:spPr bwMode="auto">
-          <a:xfrm>
-            <a:off x="5471477" y="2693670"/>
-            <a:ext cx="1153160" cy="450850"/>
-          </a:xfrm>
-          <a:prstGeom prst="rect">
-            <a:avLst/>
-          </a:prstGeom>
-          <a:solidFill>
-            <a:srgbClr val="FFFFFF"/>
-          </a:solidFill>
-          <a:ln>
-            <a:noFill/>
-          </a:ln>
-          <a:extLst>
-            <a:ext uri="{91240B29-F687-4f45-9708-019B960494DF}">
-              <a14:hiddenLine xmlns:wpc="http://schemas.microsoft.com/office/word/2010/wordprocessingCanvas" xmlns:cx="http://schemas.microsoft.com/office/drawing/2014/chartex" xmlns:cx1="http://schemas.microsoft.com/office/drawing/2015/9/8/chartex" xmlns:cx2="http://schemas.microsoft.com/office/drawing/2015/10/21/chartex" xmlns:cx3="http://schemas.microsoft.com/office/drawing/2016/5/9/chartex" xmlns:cx4="http://schemas.microsoft.com/office/drawing/2016/5/10/chartex" xmlns:cx5="http://schemas.microsoft.com/office/drawing/2016/5/11/chartex" xmlns:cx6="http://schemas.microsoft.com/office/drawing/2016/5/12/chartex" xmlns:cx7="http://schemas.microsoft.com/office/drawing/2016/5/13/chartex" xmlns:cx8="http://schemas.microsoft.com/office/drawing/2016/5/14/chartex" xmlns:mc="http://schemas.openxmlformats.org/markup-compatibility/2006" xmlns:aink="http://schemas.microsoft.com/office/drawing/2016/ink" xmlns:am3d="http://schemas.microsoft.com/office/drawing/2017/model3d" xmlns:m="http://schemas.openxmlformats.org/officeDocument/2006/math" xmlns:wp14="http://schemas.microsoft.com/office/word/2010/wordprocessingDrawing" xmlns:wp="http://schemas.openxmlformats.org/drawingml/2006/wordprocessingDrawing" xmlns:w14="http://schemas.microsoft.com/office/word/2010/wordml" xmlns:w15="http://schemas.microsoft.com/office/word/2012/wordml" xmlns:w16cex="http://schemas.microsoft.com/office/word/2018/wordml/cex" xmlns:w16cid="http://schemas.microsoft.com/office/word/2016/wordml/cid" xmlns:w16="http://schemas.microsoft.com/office/word/2018/wordml" xmlns:w16se="http://schemas.microsoft.com/office/word/2015/wordml/symex" xmlns:wpg="http://schemas.microsoft.com/office/word/2010/wordprocessingGroup" xmlns:wpi="http://schemas.microsoft.com/office/word/2010/wordprocessingInk" xmlns:wne="http://schemas.microsoft.com/office/word/2006/wordml" xmlns:wps="http://schemas.microsoft.com/office/word/2010/wordprocessingShape" xmlns:a14="http://schemas.microsoft.com/office/drawing/2010/main" xmlns:w="http://schemas.openxmlformats.org/wordprocessingml/2006/main" xmlns:w10="urn:schemas-microsoft-com:office:word" xmlns:v="urn:schemas-microsoft-com:vml" xmlns:o="urn:schemas-microsoft-com:office:office" xmlns:mv="urn:schemas-microsoft-com:mac:vml" xmlns:mo="http://schemas.microsoft.com/office/mac/office/2008/main" xmlns="" xmlns:lc="http://schemas.openxmlformats.org/drawingml/2006/lockedCanvas" w="9525">
-                <a:solidFill>
-                  <a:srgbClr val="000000"/>
-                </a:solidFill>
-                <a:miter lim="800000"/>
-                <a:headEnd/>
-                <a:tailEnd/>
-              </a14:hiddenLine>
-            </a:ext>
-          </a:extLst>
-        </p:spPr>
-        <p:txBody>
-          <a:bodyPr rot="0" vert="horz" wrap="square" lIns="0" tIns="0" rIns="0" bIns="0" anchor="t" anchorCtr="0" upright="1">
-            <a:noAutofit/>
-          </a:bodyPr>
-          <a:lstStyle/>
-          <a:p>
-            <a:pPr marL="0" marR="0">
-              <a:spcBef>
-                <a:spcPts val="600"/>
-              </a:spcBef>
-              <a:spcAft>
-                <a:spcPts val="0"/>
-              </a:spcAft>
-            </a:pPr>
-            <a:r>
-              <a:rPr lang="en-US" sz="1100">
-                <a:effectLst/>
-                <a:latin typeface="Times New Roman" panose="02020603050405020304" pitchFamily="18" charset="0"/>
-                <a:ea typeface="Times New Roman" panose="02020603050405020304" pitchFamily="18" charset="0"/>
-              </a:rPr>
-              <a:t>Retrieve Multiple Value Sets ITI-60</a:t>
-            </a:r>
-            <a:endParaRPr lang="en-US" sz="1200">
-              <a:effectLst/>
-              <a:latin typeface="Times New Roman" panose="02020603050405020304" pitchFamily="18" charset="0"/>
-              <a:ea typeface="Times New Roman" panose="02020603050405020304" pitchFamily="18" charset="0"/>
-            </a:endParaRPr>
-          </a:p>
-        </p:txBody>
-      </p:sp>
     </p:spTree>
     <p:extLst>
       <p:ext uri="{BB962C8B-B14F-4D97-AF65-F5344CB8AC3E}">
